--- a/CSCI 5828- Presentation 1 - ECLIPSE IDE.pptx
+++ b/CSCI 5828- Presentation 1 - ECLIPSE IDE.pptx
@@ -5326,14 +5326,7 @@
                 <a:latin typeface="Times New Roman" panose="02020603050405020304" pitchFamily="18" charset="0"/>
                 <a:cs typeface="Times New Roman" panose="02020603050405020304" pitchFamily="18" charset="0"/>
               </a:rPr>
-              <a:t>ECLIPSE </a:t>
-            </a:r>
-            <a:r>
-              <a:rPr lang="en-US" dirty="0" smtClean="0">
-                <a:latin typeface="Times New Roman" panose="02020603050405020304" pitchFamily="18" charset="0"/>
-                <a:cs typeface="Times New Roman" panose="02020603050405020304" pitchFamily="18" charset="0"/>
-              </a:rPr>
-              <a:t>IN DEVELOPMENT</a:t>
+              <a:t>ECLIPSE IN DEVELOPMENT</a:t>
             </a:r>
             <a:endParaRPr lang="en-US" dirty="0">
               <a:latin typeface="Times New Roman" panose="02020603050405020304" pitchFamily="18" charset="0"/>
@@ -9868,14 +9861,7 @@
                 <a:latin typeface="Times New Roman" panose="02020603050405020304" pitchFamily="18" charset="0"/>
                 <a:cs typeface="Times New Roman" panose="02020603050405020304" pitchFamily="18" charset="0"/>
               </a:rPr>
-              <a:t>ECLIPSE </a:t>
-            </a:r>
-            <a:r>
-              <a:rPr lang="en-US" dirty="0" smtClean="0">
-                <a:latin typeface="Times New Roman" panose="02020603050405020304" pitchFamily="18" charset="0"/>
-                <a:cs typeface="Times New Roman" panose="02020603050405020304" pitchFamily="18" charset="0"/>
-              </a:rPr>
-              <a:t>IN TESTING</a:t>
+              <a:t>ECLIPSE IN TESTING</a:t>
             </a:r>
             <a:endParaRPr lang="en-US" dirty="0">
               <a:latin typeface="Times New Roman" panose="02020603050405020304" pitchFamily="18" charset="0"/>
@@ -10950,14 +10936,7 @@
                 <a:latin typeface="Times New Roman" panose="02020603050405020304" pitchFamily="18" charset="0"/>
                 <a:cs typeface="Times New Roman" panose="02020603050405020304" pitchFamily="18" charset="0"/>
               </a:rPr>
-              <a:t>ECLIPSE </a:t>
-            </a:r>
-            <a:r>
-              <a:rPr lang="en-US" sz="4400" dirty="0" smtClean="0">
-                <a:latin typeface="Times New Roman" panose="02020603050405020304" pitchFamily="18" charset="0"/>
-                <a:cs typeface="Times New Roman" panose="02020603050405020304" pitchFamily="18" charset="0"/>
-              </a:rPr>
-              <a:t>IN DESIGN</a:t>
+              <a:t>ECLIPSE IN DESIGN</a:t>
             </a:r>
             <a:endParaRPr lang="en-US" dirty="0">
               <a:latin typeface="Times New Roman" panose="02020603050405020304" pitchFamily="18" charset="0"/>
@@ -11237,14 +11216,7 @@
                 <a:latin typeface="Times New Roman" panose="02020603050405020304" pitchFamily="18" charset="0"/>
                 <a:cs typeface="Times New Roman" panose="02020603050405020304" pitchFamily="18" charset="0"/>
               </a:rPr>
-              <a:t>ObjectAid </a:t>
-            </a:r>
-            <a:r>
-              <a:rPr lang="en-US" dirty="0" smtClean="0">
-                <a:latin typeface="Times New Roman" panose="02020603050405020304" pitchFamily="18" charset="0"/>
-                <a:cs typeface="Times New Roman" panose="02020603050405020304" pitchFamily="18" charset="0"/>
-              </a:rPr>
-              <a:t>: A Plugin for Eclipse</a:t>
+              <a:t>ObjectAid : A Plugin for Eclipse</a:t>
             </a:r>
             <a:endParaRPr lang="en-US" dirty="0">
               <a:latin typeface="Times New Roman" panose="02020603050405020304" pitchFamily="18" charset="0"/>
@@ -12158,14 +12130,7 @@
                 <a:latin typeface="Times New Roman" panose="02020603050405020304" pitchFamily="18" charset="0"/>
                 <a:cs typeface="Times New Roman" panose="02020603050405020304" pitchFamily="18" charset="0"/>
               </a:rPr>
-              <a:t>What is </a:t>
-            </a:r>
-            <a:r>
-              <a:rPr lang="en-US" sz="4400" dirty="0" smtClean="0">
-                <a:latin typeface="Times New Roman" panose="02020603050405020304" pitchFamily="18" charset="0"/>
-                <a:cs typeface="Times New Roman" panose="02020603050405020304" pitchFamily="18" charset="0"/>
-              </a:rPr>
-              <a:t>Eclipse</a:t>
+              <a:t>What is Eclipse</a:t>
             </a:r>
             <a:endParaRPr lang="en-US" sz="4400" dirty="0">
               <a:latin typeface="Times New Roman" panose="02020603050405020304" pitchFamily="18" charset="0"/>
@@ -15312,14 +15277,7 @@
                 <a:latin typeface="Times New Roman" panose="02020603050405020304" pitchFamily="18" charset="0"/>
                 <a:cs typeface="Times New Roman" panose="02020603050405020304" pitchFamily="18" charset="0"/>
               </a:rPr>
-              <a:t>Eclipse Archi</a:t>
-            </a:r>
-            <a:r>
-              <a:rPr lang="en-US" sz="2800" dirty="0" smtClean="0">
-                <a:latin typeface="Times New Roman" panose="02020603050405020304" pitchFamily="18" charset="0"/>
-                <a:cs typeface="Times New Roman" panose="02020603050405020304" pitchFamily="18" charset="0"/>
-              </a:rPr>
-              <a:t>tecture </a:t>
+              <a:t>Eclipse Architecture </a:t>
             </a:r>
             <a:endParaRPr lang="en-US" sz="2800" dirty="0">
               <a:latin typeface="Times New Roman" panose="02020603050405020304" pitchFamily="18" charset="0"/>
@@ -16833,21 +16791,7 @@
                 <a:latin typeface="Times New Roman" panose="02020603050405020304" pitchFamily="18" charset="0"/>
                 <a:cs typeface="Times New Roman" panose="02020603050405020304" pitchFamily="18" charset="0"/>
               </a:rPr>
-              <a:t>ECLIPSE </a:t>
-            </a:r>
-            <a:r>
-              <a:rPr lang="en-US" sz="4400" dirty="0" smtClean="0">
-                <a:latin typeface="Times New Roman" panose="02020603050405020304" pitchFamily="18" charset="0"/>
-                <a:cs typeface="Times New Roman" panose="02020603050405020304" pitchFamily="18" charset="0"/>
-              </a:rPr>
-              <a:t>IN SOURCE </a:t>
-            </a:r>
-            <a:r>
-              <a:rPr lang="en-US" sz="4400" dirty="0" smtClean="0">
-                <a:latin typeface="Times New Roman" panose="02020603050405020304" pitchFamily="18" charset="0"/>
-                <a:cs typeface="Times New Roman" panose="02020603050405020304" pitchFamily="18" charset="0"/>
-              </a:rPr>
-              <a:t>CONTROL</a:t>
+              <a:t>ECLIPSE IN SOURCE CONTROL</a:t>
             </a:r>
             <a:endParaRPr lang="en-US" sz="4400" dirty="0">
               <a:latin typeface="Times New Roman" panose="02020603050405020304" pitchFamily="18" charset="0"/>
@@ -25118,11 +25062,18 @@
           <a:lstStyle/>
           <a:p>
             <a:r>
+              <a:rPr lang="en-US" smtClean="0">
+                <a:latin typeface="Times New Roman" panose="02020603050405020304" pitchFamily="18" charset="0"/>
+                <a:cs typeface="Times New Roman" panose="02020603050405020304" pitchFamily="18" charset="0"/>
+              </a:rPr>
+              <a:t>Memory </a:t>
+            </a:r>
+            <a:r>
               <a:rPr lang="en-US" dirty="0" smtClean="0">
                 <a:latin typeface="Times New Roman" panose="02020603050405020304" pitchFamily="18" charset="0"/>
                 <a:cs typeface="Times New Roman" panose="02020603050405020304" pitchFamily="18" charset="0"/>
               </a:rPr>
-              <a:t>Memory Analyzer in Eclipse</a:t>
+              <a:t>Analyzer in Eclipse</a:t>
             </a:r>
             <a:endParaRPr lang="en-US" dirty="0">
               <a:latin typeface="Times New Roman" panose="02020603050405020304" pitchFamily="18" charset="0"/>
@@ -26298,10 +26249,6 @@
               </a:rPr>
               <a:t>Getting Eclipse </a:t>
             </a:r>
-            <a:endParaRPr lang="en-US" sz="4000" dirty="0" smtClean="0">
-              <a:latin typeface="Times New Roman" panose="02020603050405020304" pitchFamily="18" charset="0"/>
-              <a:cs typeface="Times New Roman" panose="02020603050405020304" pitchFamily="18" charset="0"/>
-            </a:endParaRPr>
           </a:p>
           <a:p>
             <a:pPr marL="342900" lvl="1" indent="-342900">
@@ -30830,14 +30777,7 @@
                 <a:latin typeface="Times New Roman" panose="02020603050405020304" pitchFamily="18" charset="0"/>
                 <a:cs typeface="Times New Roman" panose="02020603050405020304" pitchFamily="18" charset="0"/>
               </a:rPr>
-              <a:t>Workspace is the directory used to store the source code and other data on which the user is working on in Eclipse</a:t>
-            </a:r>
-            <a:r>
-              <a:rPr lang="en-US" sz="2000" dirty="0" smtClean="0">
-                <a:latin typeface="Times New Roman" panose="02020603050405020304" pitchFamily="18" charset="0"/>
-                <a:cs typeface="Times New Roman" panose="02020603050405020304" pitchFamily="18" charset="0"/>
-              </a:rPr>
-              <a:t>.</a:t>
+              <a:t>Workspace is the directory used to store the source code and other data on which the user is working on in Eclipse.</a:t>
             </a:r>
           </a:p>
           <a:p>
@@ -30867,10 +30807,6 @@
               </a:rPr>
               <a:t>.</a:t>
             </a:r>
-            <a:endParaRPr lang="en-US" sz="2000" dirty="0" smtClean="0">
-              <a:latin typeface="Times New Roman" panose="02020603050405020304" pitchFamily="18" charset="0"/>
-              <a:cs typeface="Times New Roman" panose="02020603050405020304" pitchFamily="18" charset="0"/>
-            </a:endParaRPr>
           </a:p>
           <a:p>
             <a:pPr marL="342900" indent="-342900">
